--- a/图表/图10-4.pptx
+++ b/图表/图10-4.pptx
@@ -4609,6 +4609,94 @@
           </a:p>
         </p:txBody>
       </p:sp>
+      <p:sp>
+        <p:nvSpPr>
+          <p:cNvPr id="2" name="右箭头 1">
+            <a:extLst>
+              <a:ext uri="{FF2B5EF4-FFF2-40B4-BE49-F238E27FC236}">
+                <a16:creationId xmlns:a16="http://schemas.microsoft.com/office/drawing/2014/main" id="{90A89901-88A3-4D47-A767-C9A887137BD6}"/>
+              </a:ext>
+            </a:extLst>
+          </p:cNvPr>
+          <p:cNvSpPr/>
+          <p:nvPr/>
+        </p:nvSpPr>
+        <p:spPr>
+          <a:xfrm>
+            <a:off x="3410102" y="389217"/>
+            <a:ext cx="1640208" cy="232610"/>
+          </a:xfrm>
+          <a:prstGeom prst="rightArrow">
+            <a:avLst/>
+          </a:prstGeom>
+        </p:spPr>
+        <p:style>
+          <a:lnRef idx="2">
+            <a:schemeClr val="dk1"/>
+          </a:lnRef>
+          <a:fillRef idx="1">
+            <a:schemeClr val="lt1"/>
+          </a:fillRef>
+          <a:effectRef idx="0">
+            <a:schemeClr val="dk1"/>
+          </a:effectRef>
+          <a:fontRef idx="minor">
+            <a:schemeClr val="dk1"/>
+          </a:fontRef>
+        </p:style>
+        <p:txBody>
+          <a:bodyPr rtlCol="0" anchor="ctr"/>
+          <a:lstStyle/>
+          <a:p>
+            <a:pPr algn="ctr"/>
+            <a:endParaRPr kumimoji="1" lang="zh-CN" altLang="en-US"/>
+          </a:p>
+        </p:txBody>
+      </p:sp>
+      <p:sp>
+        <p:nvSpPr>
+          <p:cNvPr id="42" name="右箭头 41">
+            <a:extLst>
+              <a:ext uri="{FF2B5EF4-FFF2-40B4-BE49-F238E27FC236}">
+                <a16:creationId xmlns:a16="http://schemas.microsoft.com/office/drawing/2014/main" id="{94C26E02-BA96-4A4B-8A19-BBA7407E53D2}"/>
+              </a:ext>
+            </a:extLst>
+          </p:cNvPr>
+          <p:cNvSpPr/>
+          <p:nvPr/>
+        </p:nvSpPr>
+        <p:spPr>
+          <a:xfrm>
+            <a:off x="7472238" y="386561"/>
+            <a:ext cx="1640208" cy="232610"/>
+          </a:xfrm>
+          <a:prstGeom prst="rightArrow">
+            <a:avLst/>
+          </a:prstGeom>
+        </p:spPr>
+        <p:style>
+          <a:lnRef idx="2">
+            <a:schemeClr val="dk1"/>
+          </a:lnRef>
+          <a:fillRef idx="1">
+            <a:schemeClr val="lt1"/>
+          </a:fillRef>
+          <a:effectRef idx="0">
+            <a:schemeClr val="dk1"/>
+          </a:effectRef>
+          <a:fontRef idx="minor">
+            <a:schemeClr val="dk1"/>
+          </a:fontRef>
+        </p:style>
+        <p:txBody>
+          <a:bodyPr rtlCol="0" anchor="ctr"/>
+          <a:lstStyle/>
+          <a:p>
+            <a:pPr algn="ctr"/>
+            <a:endParaRPr kumimoji="1" lang="zh-CN" altLang="en-US"/>
+          </a:p>
+        </p:txBody>
+      </p:sp>
     </p:spTree>
     <p:extLst>
       <p:ext uri="{BB962C8B-B14F-4D97-AF65-F5344CB8AC3E}">
